--- a/Presentaciones/clase1.pptx
+++ b/Presentaciones/clase1.pptx
@@ -260,7 +260,7 @@
           <a:p>
             <a:fld id="{84103BA4-02EC-461E-8770-4AC528C0EAF5}" type="datetimeFigureOut">
               <a:rPr lang="es-MX" smtClean="0"/>
-              <a:t>13/10/2020</a:t>
+              <a:t>03/11/2020</a:t>
             </a:fld>
             <a:endParaRPr lang="es-MX"/>
           </a:p>
@@ -430,7 +430,7 @@
           <a:p>
             <a:fld id="{84103BA4-02EC-461E-8770-4AC528C0EAF5}" type="datetimeFigureOut">
               <a:rPr lang="es-MX" smtClean="0"/>
-              <a:t>13/10/2020</a:t>
+              <a:t>03/11/2020</a:t>
             </a:fld>
             <a:endParaRPr lang="es-MX"/>
           </a:p>
@@ -610,7 +610,7 @@
           <a:p>
             <a:fld id="{84103BA4-02EC-461E-8770-4AC528C0EAF5}" type="datetimeFigureOut">
               <a:rPr lang="es-MX" smtClean="0"/>
-              <a:t>13/10/2020</a:t>
+              <a:t>03/11/2020</a:t>
             </a:fld>
             <a:endParaRPr lang="es-MX"/>
           </a:p>
@@ -780,7 +780,7 @@
           <a:p>
             <a:fld id="{84103BA4-02EC-461E-8770-4AC528C0EAF5}" type="datetimeFigureOut">
               <a:rPr lang="es-MX" smtClean="0"/>
-              <a:t>13/10/2020</a:t>
+              <a:t>03/11/2020</a:t>
             </a:fld>
             <a:endParaRPr lang="es-MX"/>
           </a:p>
@@ -1026,7 +1026,7 @@
           <a:p>
             <a:fld id="{84103BA4-02EC-461E-8770-4AC528C0EAF5}" type="datetimeFigureOut">
               <a:rPr lang="es-MX" smtClean="0"/>
-              <a:t>13/10/2020</a:t>
+              <a:t>03/11/2020</a:t>
             </a:fld>
             <a:endParaRPr lang="es-MX"/>
           </a:p>
@@ -1258,7 +1258,7 @@
           <a:p>
             <a:fld id="{84103BA4-02EC-461E-8770-4AC528C0EAF5}" type="datetimeFigureOut">
               <a:rPr lang="es-MX" smtClean="0"/>
-              <a:t>13/10/2020</a:t>
+              <a:t>03/11/2020</a:t>
             </a:fld>
             <a:endParaRPr lang="es-MX"/>
           </a:p>
@@ -1625,7 +1625,7 @@
           <a:p>
             <a:fld id="{84103BA4-02EC-461E-8770-4AC528C0EAF5}" type="datetimeFigureOut">
               <a:rPr lang="es-MX" smtClean="0"/>
-              <a:t>13/10/2020</a:t>
+              <a:t>03/11/2020</a:t>
             </a:fld>
             <a:endParaRPr lang="es-MX"/>
           </a:p>
@@ -1743,7 +1743,7 @@
           <a:p>
             <a:fld id="{84103BA4-02EC-461E-8770-4AC528C0EAF5}" type="datetimeFigureOut">
               <a:rPr lang="es-MX" smtClean="0"/>
-              <a:t>13/10/2020</a:t>
+              <a:t>03/11/2020</a:t>
             </a:fld>
             <a:endParaRPr lang="es-MX"/>
           </a:p>
@@ -1838,7 +1838,7 @@
           <a:p>
             <a:fld id="{84103BA4-02EC-461E-8770-4AC528C0EAF5}" type="datetimeFigureOut">
               <a:rPr lang="es-MX" smtClean="0"/>
-              <a:t>13/10/2020</a:t>
+              <a:t>03/11/2020</a:t>
             </a:fld>
             <a:endParaRPr lang="es-MX"/>
           </a:p>
@@ -2115,7 +2115,7 @@
           <a:p>
             <a:fld id="{84103BA4-02EC-461E-8770-4AC528C0EAF5}" type="datetimeFigureOut">
               <a:rPr lang="es-MX" smtClean="0"/>
-              <a:t>13/10/2020</a:t>
+              <a:t>03/11/2020</a:t>
             </a:fld>
             <a:endParaRPr lang="es-MX"/>
           </a:p>
@@ -2368,7 +2368,7 @@
           <a:p>
             <a:fld id="{84103BA4-02EC-461E-8770-4AC528C0EAF5}" type="datetimeFigureOut">
               <a:rPr lang="es-MX" smtClean="0"/>
-              <a:t>13/10/2020</a:t>
+              <a:t>03/11/2020</a:t>
             </a:fld>
             <a:endParaRPr lang="es-MX"/>
           </a:p>
@@ -2436,7 +2436,6 @@
       <p:bgPr>
         <a:blipFill dpi="0" rotWithShape="1">
           <a:blip r:embed="rId13">
-            <a:alphaModFix amt="20000"/>
             <a:lum/>
           </a:blip>
           <a:srcRect/>
@@ -2591,7 +2590,7 @@
           <a:p>
             <a:fld id="{84103BA4-02EC-461E-8770-4AC528C0EAF5}" type="datetimeFigureOut">
               <a:rPr lang="es-MX" smtClean="0"/>
-              <a:t>13/10/2020</a:t>
+              <a:t>03/11/2020</a:t>
             </a:fld>
             <a:endParaRPr lang="es-MX"/>
           </a:p>
